--- a/Real-time Log Analytics with Cloudera.pptx
+++ b/Real-time Log Analytics with Cloudera.pptx
@@ -5,10 +5,10 @@
     <p:sldMasterId id="2147483648" r:id="rId4"/>
   </p:sldMasterIdLst>
   <p:notesMasterIdLst>
-    <p:notesMasterId r:id="rId22"/>
+    <p:notesMasterId r:id="rId21"/>
   </p:notesMasterIdLst>
   <p:handoutMasterIdLst>
-    <p:handoutMasterId r:id="rId23"/>
+    <p:handoutMasterId r:id="rId22"/>
   </p:handoutMasterIdLst>
   <p:sldIdLst>
     <p:sldId id="256" r:id="rId5"/>
@@ -26,8 +26,7 @@
     <p:sldId id="413" r:id="rId17"/>
     <p:sldId id="406" r:id="rId18"/>
     <p:sldId id="412" r:id="rId19"/>
-    <p:sldId id="407" r:id="rId20"/>
-    <p:sldId id="260" r:id="rId21"/>
+    <p:sldId id="260" r:id="rId20"/>
   </p:sldIdLst>
   <p:sldSz cx="9144000" cy="6858000" type="screen4x3"/>
   <p:notesSz cx="6735763" cy="9866313"/>
@@ -2451,7 +2450,7 @@
           <a:p>
             <a:fld id="{16F045BC-BD14-43D5-9BBE-631EB523F39F}" type="slidenum">
               <a:rPr lang="en-US" smtClean="0"/>
-              <a:t>17</a:t>
+              <a:t>16</a:t>
             </a:fld>
             <a:endParaRPr lang="en-US"/>
           </a:p>
@@ -8166,136 +8165,6 @@
       </p:grpSpPr>
       <p:sp>
         <p:nvSpPr>
-          <p:cNvPr id="2" name="Title 1"/>
-          <p:cNvSpPr>
-            <a:spLocks noGrp="1"/>
-          </p:cNvSpPr>
-          <p:nvPr>
-            <p:ph type="title"/>
-          </p:nvPr>
-        </p:nvSpPr>
-        <p:spPr/>
-        <p:txBody>
-          <a:bodyPr>
-            <a:normAutofit/>
-          </a:bodyPr>
-          <a:lstStyle/>
-          <a:p>
-            <a:r>
-              <a:rPr lang="en-US" dirty="0"/>
-              <a:t>HA &amp; Scalable</a:t>
-            </a:r>
-          </a:p>
-        </p:txBody>
-      </p:sp>
-      <p:sp>
-        <p:nvSpPr>
-          <p:cNvPr id="22" name="Content Placeholder 21"/>
-          <p:cNvSpPr>
-            <a:spLocks noGrp="1"/>
-          </p:cNvSpPr>
-          <p:nvPr>
-            <p:ph idx="1"/>
-          </p:nvPr>
-        </p:nvSpPr>
-        <p:spPr/>
-        <p:txBody>
-          <a:bodyPr>
-            <a:normAutofit/>
-          </a:bodyPr>
-          <a:lstStyle/>
-          <a:p>
-            <a:r>
-              <a:rPr lang="en-US" sz="3600" dirty="0" smtClean="0"/>
-              <a:t>Chi </a:t>
-            </a:r>
-            <a:r>
-              <a:rPr lang="en-US" sz="3600" dirty="0" err="1" smtClean="0"/>
-              <a:t>phí</a:t>
-            </a:r>
-            <a:r>
-              <a:rPr lang="en-US" sz="3600" dirty="0" smtClean="0"/>
-              <a:t>?</a:t>
-            </a:r>
-          </a:p>
-          <a:p>
-            <a:r>
-              <a:rPr lang="en-US" sz="3600" dirty="0" smtClean="0"/>
-              <a:t>Backup Access Log</a:t>
-            </a:r>
-          </a:p>
-          <a:p>
-            <a:r>
-              <a:rPr lang="en-US" sz="3600" dirty="0" smtClean="0"/>
-              <a:t>Rebuild</a:t>
-            </a:r>
-          </a:p>
-          <a:p>
-            <a:endParaRPr lang="vi-VN" sz="3600" dirty="0"/>
-          </a:p>
-        </p:txBody>
-      </p:sp>
-      <p:sp>
-        <p:nvSpPr>
-          <p:cNvPr id="3" name="Date Placeholder 2"/>
-          <p:cNvSpPr>
-            <a:spLocks noGrp="1"/>
-          </p:cNvSpPr>
-          <p:nvPr>
-            <p:ph type="dt" sz="half" idx="10"/>
-          </p:nvPr>
-        </p:nvSpPr>
-        <p:spPr/>
-        <p:txBody>
-          <a:bodyPr/>
-          <a:lstStyle/>
-          <a:p>
-            <a:r>
-              <a:rPr lang="en-US"/>
-              <a:t>© 2015 Hyperlogy., Jsc – All rigts reserved</a:t>
-            </a:r>
-          </a:p>
-        </p:txBody>
-      </p:sp>
-    </p:spTree>
-    <p:extLst>
-      <p:ext uri="{BB962C8B-B14F-4D97-AF65-F5344CB8AC3E}">
-        <p14:creationId xmlns:p14="http://schemas.microsoft.com/office/powerpoint/2010/main" val="1754052859"/>
-      </p:ext>
-    </p:extLst>
-  </p:cSld>
-  <p:clrMapOvr>
-    <a:masterClrMapping/>
-  </p:clrMapOvr>
-  <p:timing>
-    <p:tnLst>
-      <p:par>
-        <p:cTn id="1" dur="indefinite" restart="never" nodeType="tmRoot"/>
-      </p:par>
-    </p:tnLst>
-  </p:timing>
-</p:sld>
-</file>
-
-<file path=ppt/slides/slide17.xml><?xml version="1.0" encoding="utf-8"?>
-<p:sld xmlns:a="http://schemas.openxmlformats.org/drawingml/2006/main" xmlns:r="http://schemas.openxmlformats.org/officeDocument/2006/relationships" xmlns:p="http://schemas.openxmlformats.org/presentationml/2006/main">
-  <p:cSld>
-    <p:spTree>
-      <p:nvGrpSpPr>
-        <p:cNvPr id="1" name=""/>
-        <p:cNvGrpSpPr/>
-        <p:nvPr/>
-      </p:nvGrpSpPr>
-      <p:grpSpPr>
-        <a:xfrm>
-          <a:off x="0" y="0"/>
-          <a:ext cx="0" cy="0"/>
-          <a:chOff x="0" y="0"/>
-          <a:chExt cx="0" cy="0"/>
-        </a:xfrm>
-      </p:grpSpPr>
-      <p:sp>
-        <p:nvSpPr>
           <p:cNvPr id="2" name="Rectangle 2"/>
           <p:cNvSpPr txBox="1">
             <a:spLocks noChangeArrowheads="1"/>
@@ -8648,21 +8517,11 @@
           <a:p>
             <a:r>
               <a:rPr lang="en-US" sz="3600" dirty="0" smtClean="0"/>
-              <a:t>Hue Dashboard</a:t>
-            </a:r>
-          </a:p>
-          <a:p>
+              <a:t>Hue </a:t>
+            </a:r>
             <a:r>
               <a:rPr lang="en-US" sz="3600" dirty="0" smtClean="0"/>
-              <a:t>HA </a:t>
-            </a:r>
-            <a:r>
-              <a:rPr lang="en-US" sz="3600" dirty="0"/>
-              <a:t>&amp; </a:t>
-            </a:r>
-            <a:r>
-              <a:rPr lang="en-US" sz="3600" dirty="0" smtClean="0"/>
-              <a:t>Scalable</a:t>
+              <a:t>Dashboard</a:t>
             </a:r>
             <a:endParaRPr lang="vi-VN" sz="3600" dirty="0"/>
           </a:p>
